--- a/Временный шаблон презентации №2  в широкоэкранном формате (в том числе для защит).pptx
+++ b/Временный шаблон презентации №2  в широкоэкранном формате (в том числе для защит).pptx
@@ -14,13 +14,12 @@
     <p:sldId id="273" r:id="rId8"/>
     <p:sldId id="279" r:id="rId9"/>
     <p:sldId id="280" r:id="rId10"/>
-    <p:sldId id="274" r:id="rId11"/>
-    <p:sldId id="281" r:id="rId12"/>
-    <p:sldId id="283" r:id="rId13"/>
-    <p:sldId id="275" r:id="rId14"/>
-    <p:sldId id="282" r:id="rId15"/>
-    <p:sldId id="284" r:id="rId16"/>
-    <p:sldId id="268" r:id="rId17"/>
+    <p:sldId id="281" r:id="rId11"/>
+    <p:sldId id="283" r:id="rId12"/>
+    <p:sldId id="275" r:id="rId13"/>
+    <p:sldId id="282" r:id="rId14"/>
+    <p:sldId id="284" r:id="rId15"/>
+    <p:sldId id="268" r:id="rId16"/>
   </p:sldIdLst>
   <p:sldSz cx="12192000" cy="6858000"/>
   <p:notesSz cx="6858000" cy="12192000"/>
@@ -278,7 +277,7 @@
             </a:pPr>
             <a:fld id="{06C7C42B-5FFE-4D44-BBB5-AB078492E219}" type="datetimeFigureOut">
               <a:rPr lang="ru-RU"/>
-              <a:t>19.01.2025</a:t>
+              <a:t>21.01.2025</a:t>
             </a:fld>
             <a:endParaRPr lang="ru-RU"/>
           </a:p>
@@ -469,7 +468,7 @@
             </a:pPr>
             <a:fld id="{06C7C42B-5FFE-4D44-BBB5-AB078492E219}" type="datetimeFigureOut">
               <a:rPr lang="ru-RU"/>
-              <a:t>19.01.2025</a:t>
+              <a:t>21.01.2025</a:t>
             </a:fld>
             <a:endParaRPr lang="ru-RU"/>
           </a:p>
@@ -670,7 +669,7 @@
             </a:pPr>
             <a:fld id="{06C7C42B-5FFE-4D44-BBB5-AB078492E219}" type="datetimeFigureOut">
               <a:rPr lang="ru-RU"/>
-              <a:t>19.01.2025</a:t>
+              <a:t>21.01.2025</a:t>
             </a:fld>
             <a:endParaRPr lang="ru-RU"/>
           </a:p>
@@ -861,7 +860,7 @@
             </a:pPr>
             <a:fld id="{06C7C42B-5FFE-4D44-BBB5-AB078492E219}" type="datetimeFigureOut">
               <a:rPr lang="ru-RU"/>
-              <a:t>19.01.2025</a:t>
+              <a:t>21.01.2025</a:t>
             </a:fld>
             <a:endParaRPr lang="ru-RU"/>
           </a:p>
@@ -1117,7 +1116,7 @@
             </a:pPr>
             <a:fld id="{06C7C42B-5FFE-4D44-BBB5-AB078492E219}" type="datetimeFigureOut">
               <a:rPr lang="ru-RU"/>
-              <a:t>19.01.2025</a:t>
+              <a:t>21.01.2025</a:t>
             </a:fld>
             <a:endParaRPr lang="ru-RU"/>
           </a:p>
@@ -1384,7 +1383,7 @@
             </a:pPr>
             <a:fld id="{06C7C42B-5FFE-4D44-BBB5-AB078492E219}" type="datetimeFigureOut">
               <a:rPr lang="ru-RU"/>
-              <a:t>19.01.2025</a:t>
+              <a:t>21.01.2025</a:t>
             </a:fld>
             <a:endParaRPr lang="ru-RU"/>
           </a:p>
@@ -1792,7 +1791,7 @@
             </a:pPr>
             <a:fld id="{06C7C42B-5FFE-4D44-BBB5-AB078492E219}" type="datetimeFigureOut">
               <a:rPr lang="ru-RU"/>
-              <a:t>19.01.2025</a:t>
+              <a:t>21.01.2025</a:t>
             </a:fld>
             <a:endParaRPr lang="ru-RU"/>
           </a:p>
@@ -1917,7 +1916,7 @@
             </a:pPr>
             <a:fld id="{06C7C42B-5FFE-4D44-BBB5-AB078492E219}" type="datetimeFigureOut">
               <a:rPr lang="ru-RU"/>
-              <a:t>19.01.2025</a:t>
+              <a:t>21.01.2025</a:t>
             </a:fld>
             <a:endParaRPr lang="ru-RU"/>
           </a:p>
@@ -2016,7 +2015,7 @@
             </a:pPr>
             <a:fld id="{06C7C42B-5FFE-4D44-BBB5-AB078492E219}" type="datetimeFigureOut">
               <a:rPr lang="ru-RU"/>
-              <a:t>19.01.2025</a:t>
+              <a:t>21.01.2025</a:t>
             </a:fld>
             <a:endParaRPr lang="ru-RU"/>
           </a:p>
@@ -2317,7 +2316,7 @@
             </a:pPr>
             <a:fld id="{06C7C42B-5FFE-4D44-BBB5-AB078492E219}" type="datetimeFigureOut">
               <a:rPr lang="ru-RU"/>
-              <a:t>19.01.2025</a:t>
+              <a:t>21.01.2025</a:t>
             </a:fld>
             <a:endParaRPr lang="ru-RU"/>
           </a:p>
@@ -2583,7 +2582,7 @@
             </a:pPr>
             <a:fld id="{06C7C42B-5FFE-4D44-BBB5-AB078492E219}" type="datetimeFigureOut">
               <a:rPr lang="ru-RU"/>
-              <a:t>19.01.2025</a:t>
+              <a:t>21.01.2025</a:t>
             </a:fld>
             <a:endParaRPr lang="ru-RU"/>
           </a:p>
@@ -2817,7 +2816,7 @@
             </a:pPr>
             <a:fld id="{06C7C42B-5FFE-4D44-BBB5-AB078492E219}" type="datetimeFigureOut">
               <a:rPr lang="ru-RU"/>
-              <a:t>19.01.2025</a:t>
+              <a:t>21.01.2025</a:t>
             </a:fld>
             <a:endParaRPr lang="ru-RU"/>
           </a:p>
@@ -3379,205 +3378,6 @@
         <p:cNvPr id="1" name="">
           <a:extLst>
             <a:ext uri="{FF2B5EF4-FFF2-40B4-BE49-F238E27FC236}">
-              <a16:creationId xmlns:a16="http://schemas.microsoft.com/office/drawing/2014/main" id="{2AEB3FFF-006C-0188-8D2B-A7205AE20355}"/>
-            </a:ext>
-          </a:extLst>
-        </p:cNvPr>
-        <p:cNvGrpSpPr/>
-        <p:nvPr/>
-      </p:nvGrpSpPr>
-      <p:grpSpPr>
-        <a:xfrm>
-          <a:off x="0" y="0"/>
-          <a:ext cx="0" cy="0"/>
-          <a:chOff x="0" y="0"/>
-          <a:chExt cx="0" cy="0"/>
-        </a:xfrm>
-      </p:grpSpPr>
-      <p:pic>
-        <p:nvPicPr>
-          <p:cNvPr id="4" name="Рисунок 3">
-            <a:extLst>
-              <a:ext uri="{FF2B5EF4-FFF2-40B4-BE49-F238E27FC236}">
-                <a16:creationId xmlns:a16="http://schemas.microsoft.com/office/drawing/2014/main" id="{BF433690-C8F2-1607-783B-38456CC931BA}"/>
-              </a:ext>
-            </a:extLst>
-          </p:cNvPr>
-          <p:cNvPicPr>
-            <a:picLocks noChangeAspect="1"/>
-          </p:cNvPicPr>
-          <p:nvPr/>
-        </p:nvPicPr>
-        <p:blipFill>
-          <a:blip r:embed="rId2"/>
-          <a:stretch/>
-        </p:blipFill>
-        <p:spPr bwMode="auto">
-          <a:xfrm>
-            <a:off x="407369" y="332656"/>
-            <a:ext cx="2160240" cy="548939"/>
-          </a:xfrm>
-          <a:prstGeom prst="rect">
-            <a:avLst/>
-          </a:prstGeom>
-        </p:spPr>
-      </p:pic>
-      <p:pic>
-        <p:nvPicPr>
-          <p:cNvPr id="7" name="Рисунок 6">
-            <a:extLst>
-              <a:ext uri="{FF2B5EF4-FFF2-40B4-BE49-F238E27FC236}">
-                <a16:creationId xmlns:a16="http://schemas.microsoft.com/office/drawing/2014/main" id="{7AF0F3CA-2F3F-EA7C-72E1-299D6FD219B5}"/>
-              </a:ext>
-            </a:extLst>
-          </p:cNvPr>
-          <p:cNvPicPr>
-            <a:picLocks noChangeAspect="1"/>
-          </p:cNvPicPr>
-          <p:nvPr/>
-        </p:nvPicPr>
-        <p:blipFill>
-          <a:blip r:embed="rId3" cstate="print">
-            <a:extLst>
-              <a:ext uri="{28A0092B-C50C-407E-A947-70E740481C1C}">
-                <a14:useLocalDpi xmlns:a14="http://schemas.microsoft.com/office/drawing/2010/main" val="0"/>
-              </a:ext>
-            </a:extLst>
-          </a:blip>
-          <a:stretch>
-            <a:fillRect/>
-          </a:stretch>
-        </p:blipFill>
-        <p:spPr bwMode="auto">
-          <a:xfrm>
-            <a:off x="409978" y="318917"/>
-            <a:ext cx="2157631" cy="549893"/>
-          </a:xfrm>
-          <a:prstGeom prst="rect">
-            <a:avLst/>
-          </a:prstGeom>
-        </p:spPr>
-      </p:pic>
-      <p:sp>
-        <p:nvSpPr>
-          <p:cNvPr id="2" name="TextBox 1">
-            <a:extLst>
-              <a:ext uri="{FF2B5EF4-FFF2-40B4-BE49-F238E27FC236}">
-                <a16:creationId xmlns:a16="http://schemas.microsoft.com/office/drawing/2014/main" id="{DF024077-8EFB-2E1B-1262-3CCE5582594A}"/>
-              </a:ext>
-            </a:extLst>
-          </p:cNvPr>
-          <p:cNvSpPr txBox="1"/>
-          <p:nvPr/>
-        </p:nvSpPr>
-        <p:spPr>
-          <a:xfrm>
-            <a:off x="3431704" y="342580"/>
-            <a:ext cx="8136904" cy="523220"/>
-          </a:xfrm>
-          <a:prstGeom prst="rect">
-            <a:avLst/>
-          </a:prstGeom>
-          <a:noFill/>
-        </p:spPr>
-        <p:txBody>
-          <a:bodyPr wrap="square" rtlCol="0">
-            <a:spAutoFit/>
-          </a:bodyPr>
-          <a:lstStyle/>
-          <a:p>
-            <a:pPr algn="r"/>
-            <a:r>
-              <a:rPr lang="ru-RU" sz="2800" b="1" dirty="0"/>
-              <a:t>Удаление ячеек</a:t>
-            </a:r>
-          </a:p>
-        </p:txBody>
-      </p:sp>
-      <p:sp>
-        <p:nvSpPr>
-          <p:cNvPr id="5" name="TextBox 4">
-            <a:extLst>
-              <a:ext uri="{FF2B5EF4-FFF2-40B4-BE49-F238E27FC236}">
-                <a16:creationId xmlns:a16="http://schemas.microsoft.com/office/drawing/2014/main" id="{9561CDF8-5BAE-82FE-9795-64B18E2C121B}"/>
-              </a:ext>
-            </a:extLst>
-          </p:cNvPr>
-          <p:cNvSpPr txBox="1"/>
-          <p:nvPr/>
-        </p:nvSpPr>
-        <p:spPr>
-          <a:xfrm>
-            <a:off x="695400" y="1268760"/>
-            <a:ext cx="10873208" cy="461665"/>
-          </a:xfrm>
-          <a:prstGeom prst="rect">
-            <a:avLst/>
-          </a:prstGeom>
-          <a:noFill/>
-        </p:spPr>
-        <p:txBody>
-          <a:bodyPr wrap="square">
-            <a:spAutoFit/>
-          </a:bodyPr>
-          <a:lstStyle/>
-          <a:p>
-            <a:pPr lvl="0" algn="just">
-              <a:lnSpc>
-                <a:spcPct val="150000"/>
-              </a:lnSpc>
-              <a:buSzPts val="1000"/>
-              <a:tabLst>
-                <a:tab pos="457200" algn="l"/>
-              </a:tabLst>
-            </a:pPr>
-            <a:r>
-              <a:rPr lang="ru-RU" sz="1800" b="1" dirty="0">
-                <a:effectLst/>
-                <a:latin typeface="Roboto" panose="02000000000000000000" pitchFamily="2" charset="0"/>
-                <a:ea typeface="Roboto" panose="02000000000000000000" pitchFamily="2" charset="0"/>
-                <a:cs typeface="Roboto" panose="02000000000000000000" pitchFamily="2" charset="0"/>
-              </a:rPr>
-              <a:t>	Удаление ячейки происходит при превышении</a:t>
-            </a:r>
-            <a:r>
-              <a:rPr lang="ru-RU" b="1" dirty="0">
-                <a:latin typeface="Roboto" panose="02000000000000000000" pitchFamily="2" charset="0"/>
-                <a:ea typeface="Roboto" panose="02000000000000000000" pitchFamily="2" charset="0"/>
-                <a:cs typeface="Roboto" panose="02000000000000000000" pitchFamily="2" charset="0"/>
-              </a:rPr>
-              <a:t> температуры испарения. </a:t>
-            </a:r>
-            <a:endParaRPr lang="ru-RU" sz="1800" dirty="0">
-              <a:effectLst/>
-              <a:latin typeface="Roboto" panose="02000000000000000000" pitchFamily="2" charset="0"/>
-              <a:ea typeface="Roboto" panose="02000000000000000000" pitchFamily="2" charset="0"/>
-              <a:cs typeface="Roboto" panose="02000000000000000000" pitchFamily="2" charset="0"/>
-            </a:endParaRPr>
-          </a:p>
-        </p:txBody>
-      </p:sp>
-    </p:spTree>
-    <p:extLst>
-      <p:ext uri="{BB962C8B-B14F-4D97-AF65-F5344CB8AC3E}">
-        <p14:creationId xmlns:p14="http://schemas.microsoft.com/office/powerpoint/2010/main" val="4185650535"/>
-      </p:ext>
-    </p:extLst>
-  </p:cSld>
-  <p:clrMapOvr>
-    <a:masterClrMapping/>
-  </p:clrMapOvr>
-</p:sld>
-</file>
-
-<file path=ppt/slides/slide11.xml><?xml version="1.0" encoding="utf-8"?>
-<p:sld xmlns:a="http://schemas.openxmlformats.org/drawingml/2006/main" xmlns:r="http://schemas.openxmlformats.org/officeDocument/2006/relationships" xmlns:p="http://schemas.openxmlformats.org/presentationml/2006/main">
-  <p:cSld>
-    <p:spTree>
-      <p:nvGrpSpPr>
-        <p:cNvPr id="1" name="">
-          <a:extLst>
-            <a:ext uri="{FF2B5EF4-FFF2-40B4-BE49-F238E27FC236}">
               <a16:creationId xmlns:a16="http://schemas.microsoft.com/office/drawing/2014/main" id="{740D5B6F-0ED0-AACD-586B-A22AC16FB36F}"/>
             </a:ext>
           </a:extLst>
@@ -3954,7 +3754,7 @@
 </p:sld>
 </file>
 
-<file path=ppt/slides/slide12.xml><?xml version="1.0" encoding="utf-8"?>
+<file path=ppt/slides/slide11.xml><?xml version="1.0" encoding="utf-8"?>
 <p:sld xmlns:a="http://schemas.openxmlformats.org/drawingml/2006/main" xmlns:r="http://schemas.openxmlformats.org/officeDocument/2006/relationships" xmlns:p="http://schemas.openxmlformats.org/presentationml/2006/main">
   <p:cSld>
     <p:spTree>
@@ -4126,7 +3926,7 @@
 </p:sld>
 </file>
 
-<file path=ppt/slides/slide13.xml><?xml version="1.0" encoding="utf-8"?>
+<file path=ppt/slides/slide12.xml><?xml version="1.0" encoding="utf-8"?>
 <p:sld xmlns:a="http://schemas.openxmlformats.org/drawingml/2006/main" xmlns:r="http://schemas.openxmlformats.org/officeDocument/2006/relationships" xmlns:p="http://schemas.openxmlformats.org/presentationml/2006/main">
   <p:cSld>
     <p:spTree>
@@ -4298,7 +4098,7 @@
 </p:sld>
 </file>
 
-<file path=ppt/slides/slide14.xml><?xml version="1.0" encoding="utf-8"?>
+<file path=ppt/slides/slide13.xml><?xml version="1.0" encoding="utf-8"?>
 <p:sld xmlns:a="http://schemas.openxmlformats.org/drawingml/2006/main" xmlns:r="http://schemas.openxmlformats.org/officeDocument/2006/relationships" xmlns:p="http://schemas.openxmlformats.org/presentationml/2006/main">
   <p:cSld>
     <p:spTree>
@@ -4470,7 +4270,7 @@
 </p:sld>
 </file>
 
-<file path=ppt/slides/slide15.xml><?xml version="1.0" encoding="utf-8"?>
+<file path=ppt/slides/slide14.xml><?xml version="1.0" encoding="utf-8"?>
 <p:sld xmlns:a="http://schemas.openxmlformats.org/drawingml/2006/main" xmlns:r="http://schemas.openxmlformats.org/officeDocument/2006/relationships" xmlns:p="http://schemas.openxmlformats.org/presentationml/2006/main">
   <p:cSld>
     <p:spTree>
@@ -4627,8 +4427,13 @@
             </a:pPr>
             <a:r>
               <a:rPr lang="ru-RU" sz="3200" dirty="0"/>
-              <a:t>Низкая скорость расчета</a:t>
-            </a:r>
+              <a:t>Низкая </a:t>
+            </a:r>
+            <a:r>
+              <a:rPr lang="ru-RU" sz="3200"/>
+              <a:t>скорость расчетов</a:t>
+            </a:r>
+            <a:endParaRPr lang="ru-RU" sz="3200" dirty="0"/>
           </a:p>
           <a:p>
             <a:pPr marL="285750" indent="-285750">
@@ -4678,7 +4483,7 @@
 </p:sld>
 </file>
 
-<file path=ppt/slides/slide16.xml><?xml version="1.0" encoding="utf-8"?>
+<file path=ppt/slides/slide15.xml><?xml version="1.0" encoding="utf-8"?>
 <p:sld xmlns:a="http://schemas.openxmlformats.org/drawingml/2006/main" xmlns:r="http://schemas.openxmlformats.org/officeDocument/2006/relationships" xmlns:p="http://schemas.openxmlformats.org/presentationml/2006/main" showMasterPhAnim="0">
   <p:cSld>
     <p:bg>
